--- a/Meetings/April 2024/April_24th_2024/April_24th_2024.pptx
+++ b/Meetings/April 2024/April_24th_2024/April_24th_2024.pptx
@@ -270,7 +270,7 @@
           <a:p>
             <a:fld id="{087F77EA-AF84-4A6A-97F7-621644961EA7}" type="datetimeFigureOut">
               <a:rPr lang="en-US" smtClean="0"/>
-              <a:t>4/24/2024</a:t>
+              <a:t>5/1/2024</a:t>
             </a:fld>
             <a:endParaRPr lang="en-US"/>
           </a:p>
@@ -468,7 +468,7 @@
           <a:p>
             <a:fld id="{087F77EA-AF84-4A6A-97F7-621644961EA7}" type="datetimeFigureOut">
               <a:rPr lang="en-US" smtClean="0"/>
-              <a:t>4/24/2024</a:t>
+              <a:t>5/1/2024</a:t>
             </a:fld>
             <a:endParaRPr lang="en-US"/>
           </a:p>
@@ -676,7 +676,7 @@
           <a:p>
             <a:fld id="{087F77EA-AF84-4A6A-97F7-621644961EA7}" type="datetimeFigureOut">
               <a:rPr lang="en-US" smtClean="0"/>
-              <a:t>4/24/2024</a:t>
+              <a:t>5/1/2024</a:t>
             </a:fld>
             <a:endParaRPr lang="en-US"/>
           </a:p>
@@ -874,7 +874,7 @@
           <a:p>
             <a:fld id="{087F77EA-AF84-4A6A-97F7-621644961EA7}" type="datetimeFigureOut">
               <a:rPr lang="en-US" smtClean="0"/>
-              <a:t>4/24/2024</a:t>
+              <a:t>5/1/2024</a:t>
             </a:fld>
             <a:endParaRPr lang="en-US"/>
           </a:p>
@@ -1149,7 +1149,7 @@
           <a:p>
             <a:fld id="{087F77EA-AF84-4A6A-97F7-621644961EA7}" type="datetimeFigureOut">
               <a:rPr lang="en-US" smtClean="0"/>
-              <a:t>4/24/2024</a:t>
+              <a:t>5/1/2024</a:t>
             </a:fld>
             <a:endParaRPr lang="en-US"/>
           </a:p>
@@ -1414,7 +1414,7 @@
           <a:p>
             <a:fld id="{087F77EA-AF84-4A6A-97F7-621644961EA7}" type="datetimeFigureOut">
               <a:rPr lang="en-US" smtClean="0"/>
-              <a:t>4/24/2024</a:t>
+              <a:t>5/1/2024</a:t>
             </a:fld>
             <a:endParaRPr lang="en-US"/>
           </a:p>
@@ -1826,7 +1826,7 @@
           <a:p>
             <a:fld id="{087F77EA-AF84-4A6A-97F7-621644961EA7}" type="datetimeFigureOut">
               <a:rPr lang="en-US" smtClean="0"/>
-              <a:t>4/24/2024</a:t>
+              <a:t>5/1/2024</a:t>
             </a:fld>
             <a:endParaRPr lang="en-US"/>
           </a:p>
@@ -1967,7 +1967,7 @@
           <a:p>
             <a:fld id="{087F77EA-AF84-4A6A-97F7-621644961EA7}" type="datetimeFigureOut">
               <a:rPr lang="en-US" smtClean="0"/>
-              <a:t>4/24/2024</a:t>
+              <a:t>5/1/2024</a:t>
             </a:fld>
             <a:endParaRPr lang="en-US"/>
           </a:p>
@@ -2080,7 +2080,7 @@
           <a:p>
             <a:fld id="{087F77EA-AF84-4A6A-97F7-621644961EA7}" type="datetimeFigureOut">
               <a:rPr lang="en-US" smtClean="0"/>
-              <a:t>4/24/2024</a:t>
+              <a:t>5/1/2024</a:t>
             </a:fld>
             <a:endParaRPr lang="en-US"/>
           </a:p>
@@ -2391,7 +2391,7 @@
           <a:p>
             <a:fld id="{087F77EA-AF84-4A6A-97F7-621644961EA7}" type="datetimeFigureOut">
               <a:rPr lang="en-US" smtClean="0"/>
-              <a:t>4/24/2024</a:t>
+              <a:t>5/1/2024</a:t>
             </a:fld>
             <a:endParaRPr lang="en-US"/>
           </a:p>
@@ -2679,7 +2679,7 @@
           <a:p>
             <a:fld id="{087F77EA-AF84-4A6A-97F7-621644961EA7}" type="datetimeFigureOut">
               <a:rPr lang="en-US" smtClean="0"/>
-              <a:t>4/24/2024</a:t>
+              <a:t>5/1/2024</a:t>
             </a:fld>
             <a:endParaRPr lang="en-US"/>
           </a:p>
@@ -2920,7 +2920,7 @@
           <a:p>
             <a:fld id="{087F77EA-AF84-4A6A-97F7-621644961EA7}" type="datetimeFigureOut">
               <a:rPr lang="en-US" smtClean="0"/>
-              <a:t>4/24/2024</a:t>
+              <a:t>5/1/2024</a:t>
             </a:fld>
             <a:endParaRPr lang="en-US"/>
           </a:p>
@@ -4612,8 +4612,8 @@
         </p:blipFill>
         <p:spPr>
           <a:xfrm>
-            <a:off x="4064000" y="1905000"/>
-            <a:ext cx="4064000" cy="3048000"/>
+            <a:off x="2367643" y="1089931"/>
+            <a:ext cx="6156325" cy="4617244"/>
           </a:xfrm>
           <a:prstGeom prst="rect">
             <a:avLst/>
